--- a/NEW UI 5-22-22.pptx
+++ b/NEW UI 5-22-22.pptx
@@ -214,7 +214,7 @@
           <a:p>
             <a:fld id="{1D3F8C64-BE38-4769-81D7-6C24C2B499CF}" type="datetimeFigureOut">
               <a:rPr lang="en-US" smtClean="0"/>
-              <a:t>5/22/2022</a:t>
+              <a:t>5/23/2022</a:t>
             </a:fld>
             <a:endParaRPr lang="en-US"/>
           </a:p>
@@ -628,7 +628,7 @@
           <a:p>
             <a:fld id="{05B98E9A-8EC8-431F-837B-AC309271ACFB}" type="datetimeFigureOut">
               <a:rPr lang="en-US" smtClean="0"/>
-              <a:t>5/22/2022</a:t>
+              <a:t>5/23/2022</a:t>
             </a:fld>
             <a:endParaRPr lang="en-US"/>
           </a:p>
@@ -826,7 +826,7 @@
           <a:p>
             <a:fld id="{05B98E9A-8EC8-431F-837B-AC309271ACFB}" type="datetimeFigureOut">
               <a:rPr lang="en-US" smtClean="0"/>
-              <a:t>5/22/2022</a:t>
+              <a:t>5/23/2022</a:t>
             </a:fld>
             <a:endParaRPr lang="en-US"/>
           </a:p>
@@ -1034,7 +1034,7 @@
           <a:p>
             <a:fld id="{05B98E9A-8EC8-431F-837B-AC309271ACFB}" type="datetimeFigureOut">
               <a:rPr lang="en-US" smtClean="0"/>
-              <a:t>5/22/2022</a:t>
+              <a:t>5/23/2022</a:t>
             </a:fld>
             <a:endParaRPr lang="en-US"/>
           </a:p>
@@ -1232,7 +1232,7 @@
           <a:p>
             <a:fld id="{05B98E9A-8EC8-431F-837B-AC309271ACFB}" type="datetimeFigureOut">
               <a:rPr lang="en-US" smtClean="0"/>
-              <a:t>5/22/2022</a:t>
+              <a:t>5/23/2022</a:t>
             </a:fld>
             <a:endParaRPr lang="en-US"/>
           </a:p>
@@ -1507,7 +1507,7 @@
           <a:p>
             <a:fld id="{05B98E9A-8EC8-431F-837B-AC309271ACFB}" type="datetimeFigureOut">
               <a:rPr lang="en-US" smtClean="0"/>
-              <a:t>5/22/2022</a:t>
+              <a:t>5/23/2022</a:t>
             </a:fld>
             <a:endParaRPr lang="en-US"/>
           </a:p>
@@ -1772,7 +1772,7 @@
           <a:p>
             <a:fld id="{05B98E9A-8EC8-431F-837B-AC309271ACFB}" type="datetimeFigureOut">
               <a:rPr lang="en-US" smtClean="0"/>
-              <a:t>5/22/2022</a:t>
+              <a:t>5/23/2022</a:t>
             </a:fld>
             <a:endParaRPr lang="en-US"/>
           </a:p>
@@ -2184,7 +2184,7 @@
           <a:p>
             <a:fld id="{05B98E9A-8EC8-431F-837B-AC309271ACFB}" type="datetimeFigureOut">
               <a:rPr lang="en-US" smtClean="0"/>
-              <a:t>5/22/2022</a:t>
+              <a:t>5/23/2022</a:t>
             </a:fld>
             <a:endParaRPr lang="en-US"/>
           </a:p>
@@ -2325,7 +2325,7 @@
           <a:p>
             <a:fld id="{05B98E9A-8EC8-431F-837B-AC309271ACFB}" type="datetimeFigureOut">
               <a:rPr lang="en-US" smtClean="0"/>
-              <a:t>5/22/2022</a:t>
+              <a:t>5/23/2022</a:t>
             </a:fld>
             <a:endParaRPr lang="en-US"/>
           </a:p>
@@ -2438,7 +2438,7 @@
           <a:p>
             <a:fld id="{05B98E9A-8EC8-431F-837B-AC309271ACFB}" type="datetimeFigureOut">
               <a:rPr lang="en-US" smtClean="0"/>
-              <a:t>5/22/2022</a:t>
+              <a:t>5/23/2022</a:t>
             </a:fld>
             <a:endParaRPr lang="en-US"/>
           </a:p>
@@ -2749,7 +2749,7 @@
           <a:p>
             <a:fld id="{05B98E9A-8EC8-431F-837B-AC309271ACFB}" type="datetimeFigureOut">
               <a:rPr lang="en-US" smtClean="0"/>
-              <a:t>5/22/2022</a:t>
+              <a:t>5/23/2022</a:t>
             </a:fld>
             <a:endParaRPr lang="en-US"/>
           </a:p>
@@ -3037,7 +3037,7 @@
           <a:p>
             <a:fld id="{05B98E9A-8EC8-431F-837B-AC309271ACFB}" type="datetimeFigureOut">
               <a:rPr lang="en-US" smtClean="0"/>
-              <a:t>5/22/2022</a:t>
+              <a:t>5/23/2022</a:t>
             </a:fld>
             <a:endParaRPr lang="en-US"/>
           </a:p>
@@ -3278,7 +3278,7 @@
           <a:p>
             <a:fld id="{05B98E9A-8EC8-431F-837B-AC309271ACFB}" type="datetimeFigureOut">
               <a:rPr lang="en-US" smtClean="0"/>
-              <a:t>5/22/2022</a:t>
+              <a:t>5/23/2022</a:t>
             </a:fld>
             <a:endParaRPr lang="en-US"/>
           </a:p>
@@ -3744,6 +3744,10 @@
           <a:bodyPr/>
           <a:lstStyle/>
           <a:p>
+            <a:r>
+              <a:rPr lang="en-US"/>
+              <a:t>May 23, 2022</a:t>
+            </a:r>
             <a:endParaRPr lang="en-US" dirty="0"/>
           </a:p>
         </p:txBody>
